--- a/src/assets/templates/template-poster.pptx
+++ b/src/assets/templates/template-poster.pptx
@@ -3515,7 +3515,7 @@
         </p:nvGrpSpPr>
         <p:grpSpPr>
           <a:xfrm rot="5400000">
-            <a:off x="-5150276" y="6621147"/>
+            <a:off x="-5150276" y="6800595"/>
             <a:ext cx="41134996" cy="29058413"/>
             <a:chOff x="0" y="-76200"/>
             <a:chExt cx="5030340" cy="3553512"/>
@@ -3630,7 +3630,7 @@
         </p:blipFill>
         <p:spPr bwMode="auto">
           <a:xfrm rot="18957316">
-            <a:off x="-13870407" y="-2789141"/>
+            <a:off x="-13870406" y="-3017741"/>
             <a:ext cx="68026447" cy="34013224"/>
           </a:xfrm>
           <a:prstGeom prst="rect">
@@ -3819,8 +3819,8 @@
         </p:nvSpPr>
         <p:spPr>
           <a:xfrm>
-            <a:off x="5095717" y="24353197"/>
-            <a:ext cx="5722643" cy="1077475"/>
+            <a:off x="4664651" y="24535206"/>
+            <a:ext cx="7155945" cy="1070742"/>
           </a:xfrm>
           <a:prstGeom prst="rect">
             <a:avLst/>
@@ -3863,7 +3863,7 @@
                 <a:latin typeface="Roboto" panose="02000000000000000000" pitchFamily="2" charset="0"/>
                 <a:ea typeface="Roboto" panose="02000000000000000000" pitchFamily="2" charset="0"/>
               </a:rPr>
-              <a:t>Contributions</a:t>
+              <a:t>Main Contribution</a:t>
             </a:r>
           </a:p>
         </p:txBody>
@@ -4436,6 +4436,321 @@
                 <a:ea typeface="Roboto" panose="02000000000000000000" pitchFamily="2" charset="0"/>
               </a:rPr>
               <a:t>Bibliography</a:t>
+            </a:r>
+          </a:p>
+        </p:txBody>
+      </p:sp>
+      <p:sp>
+        <p:nvSpPr>
+          <p:cNvPr id="36" name="TextBox 9">
+            <a:extLst>
+              <a:ext uri="{FF2B5EF4-FFF2-40B4-BE49-F238E27FC236}">
+                <a16:creationId xmlns:a16="http://schemas.microsoft.com/office/drawing/2014/main" id="{BADD765F-93DA-AC7C-23C0-C5DDD447331F}"/>
+              </a:ext>
+            </a:extLst>
+          </p:cNvPr>
+          <p:cNvSpPr txBox="1"/>
+          <p:nvPr/>
+        </p:nvSpPr>
+        <p:spPr>
+          <a:xfrm>
+            <a:off x="2360743" y="10604528"/>
+            <a:ext cx="9824800" cy="993862"/>
+          </a:xfrm>
+          <a:prstGeom prst="rect">
+            <a:avLst/>
+          </a:prstGeom>
+          <a:noFill/>
+          <a:ln>
+            <a:noFill/>
+          </a:ln>
+        </p:spPr>
+        <p:style>
+          <a:lnRef idx="2">
+            <a:schemeClr val="accent2"/>
+          </a:lnRef>
+          <a:fillRef idx="1">
+            <a:schemeClr val="lt1"/>
+          </a:fillRef>
+          <a:effectRef idx="0">
+            <a:schemeClr val="accent2"/>
+          </a:effectRef>
+          <a:fontRef idx="minor">
+            <a:schemeClr val="dk1"/>
+          </a:fontRef>
+        </p:style>
+        <p:txBody>
+          <a:bodyPr wrap="square" lIns="0" tIns="0" rIns="0" bIns="0" rtlCol="0" anchor="t">
+            <a:spAutoFit/>
+          </a:bodyPr>
+          <a:lstStyle/>
+          <a:p>
+            <a:pPr algn="ctr">
+              <a:lnSpc>
+                <a:spcPts val="8959"/>
+              </a:lnSpc>
+            </a:pPr>
+            <a:r>
+              <a:rPr lang="en-US" sz="3600" b="1" i="1" dirty="0">
+                <a:solidFill>
+                  <a:schemeClr val="tx1"/>
+                </a:solidFill>
+                <a:latin typeface="Roboto" panose="02000000000000000000" pitchFamily="2" charset="0"/>
+                <a:ea typeface="Roboto" panose="02000000000000000000" pitchFamily="2" charset="0"/>
+              </a:rPr>
+              <a:t>Font: Roboto, size : 36, color : Black</a:t>
+            </a:r>
+          </a:p>
+        </p:txBody>
+      </p:sp>
+      <p:sp>
+        <p:nvSpPr>
+          <p:cNvPr id="37" name="TextBox 9">
+            <a:extLst>
+              <a:ext uri="{FF2B5EF4-FFF2-40B4-BE49-F238E27FC236}">
+                <a16:creationId xmlns:a16="http://schemas.microsoft.com/office/drawing/2014/main" id="{4C41BDB2-58E7-3C8C-D8AA-C19B6B5813B5}"/>
+              </a:ext>
+            </a:extLst>
+          </p:cNvPr>
+          <p:cNvSpPr txBox="1"/>
+          <p:nvPr/>
+        </p:nvSpPr>
+        <p:spPr>
+          <a:xfrm>
+            <a:off x="17310297" y="11257929"/>
+            <a:ext cx="9824800" cy="993862"/>
+          </a:xfrm>
+          <a:prstGeom prst="rect">
+            <a:avLst/>
+          </a:prstGeom>
+          <a:noFill/>
+          <a:ln>
+            <a:noFill/>
+          </a:ln>
+        </p:spPr>
+        <p:style>
+          <a:lnRef idx="2">
+            <a:schemeClr val="accent2"/>
+          </a:lnRef>
+          <a:fillRef idx="1">
+            <a:schemeClr val="lt1"/>
+          </a:fillRef>
+          <a:effectRef idx="0">
+            <a:schemeClr val="accent2"/>
+          </a:effectRef>
+          <a:fontRef idx="minor">
+            <a:schemeClr val="dk1"/>
+          </a:fontRef>
+        </p:style>
+        <p:txBody>
+          <a:bodyPr wrap="square" lIns="0" tIns="0" rIns="0" bIns="0" rtlCol="0" anchor="t">
+            <a:spAutoFit/>
+          </a:bodyPr>
+          <a:lstStyle/>
+          <a:p>
+            <a:pPr algn="ctr">
+              <a:lnSpc>
+                <a:spcPts val="8959"/>
+              </a:lnSpc>
+            </a:pPr>
+            <a:r>
+              <a:rPr lang="en-US" sz="3600" b="1" i="1" dirty="0">
+                <a:solidFill>
+                  <a:schemeClr val="tx1"/>
+                </a:solidFill>
+                <a:latin typeface="Roboto" panose="02000000000000000000" pitchFamily="2" charset="0"/>
+                <a:ea typeface="Roboto" panose="02000000000000000000" pitchFamily="2" charset="0"/>
+              </a:rPr>
+              <a:t>Font: Roboto, size : 36, color : Black</a:t>
+            </a:r>
+          </a:p>
+        </p:txBody>
+      </p:sp>
+      <p:sp>
+        <p:nvSpPr>
+          <p:cNvPr id="38" name="TextBox 9">
+            <a:extLst>
+              <a:ext uri="{FF2B5EF4-FFF2-40B4-BE49-F238E27FC236}">
+                <a16:creationId xmlns:a16="http://schemas.microsoft.com/office/drawing/2014/main" id="{64FB3E5D-E8C0-D617-75F8-1886A973A03C}"/>
+              </a:ext>
+            </a:extLst>
+          </p:cNvPr>
+          <p:cNvSpPr txBox="1"/>
+          <p:nvPr/>
+        </p:nvSpPr>
+        <p:spPr>
+          <a:xfrm>
+            <a:off x="3352035" y="25320337"/>
+            <a:ext cx="9824800" cy="993862"/>
+          </a:xfrm>
+          <a:prstGeom prst="rect">
+            <a:avLst/>
+          </a:prstGeom>
+          <a:noFill/>
+          <a:ln>
+            <a:noFill/>
+          </a:ln>
+        </p:spPr>
+        <p:style>
+          <a:lnRef idx="2">
+            <a:schemeClr val="accent2"/>
+          </a:lnRef>
+          <a:fillRef idx="1">
+            <a:schemeClr val="lt1"/>
+          </a:fillRef>
+          <a:effectRef idx="0">
+            <a:schemeClr val="accent2"/>
+          </a:effectRef>
+          <a:fontRef idx="minor">
+            <a:schemeClr val="dk1"/>
+          </a:fontRef>
+        </p:style>
+        <p:txBody>
+          <a:bodyPr wrap="square" lIns="0" tIns="0" rIns="0" bIns="0" rtlCol="0" anchor="t">
+            <a:spAutoFit/>
+          </a:bodyPr>
+          <a:lstStyle/>
+          <a:p>
+            <a:pPr algn="ctr">
+              <a:lnSpc>
+                <a:spcPts val="8959"/>
+              </a:lnSpc>
+            </a:pPr>
+            <a:r>
+              <a:rPr lang="en-US" sz="3600" b="1" i="1" dirty="0">
+                <a:solidFill>
+                  <a:schemeClr val="tx1"/>
+                </a:solidFill>
+                <a:latin typeface="Roboto" panose="02000000000000000000" pitchFamily="2" charset="0"/>
+                <a:ea typeface="Roboto" panose="02000000000000000000" pitchFamily="2" charset="0"/>
+              </a:rPr>
+              <a:t>Font: Roboto, size : 36, color : Black</a:t>
+            </a:r>
+          </a:p>
+        </p:txBody>
+      </p:sp>
+      <p:sp>
+        <p:nvSpPr>
+          <p:cNvPr id="39" name="TextBox 9">
+            <a:extLst>
+              <a:ext uri="{FF2B5EF4-FFF2-40B4-BE49-F238E27FC236}">
+                <a16:creationId xmlns:a16="http://schemas.microsoft.com/office/drawing/2014/main" id="{2928CD88-42CB-D595-47B4-90EC6BDCE41C}"/>
+              </a:ext>
+            </a:extLst>
+          </p:cNvPr>
+          <p:cNvSpPr txBox="1"/>
+          <p:nvPr/>
+        </p:nvSpPr>
+        <p:spPr>
+          <a:xfrm>
+            <a:off x="1498600" y="32572765"/>
+            <a:ext cx="9824800" cy="993862"/>
+          </a:xfrm>
+          <a:prstGeom prst="rect">
+            <a:avLst/>
+          </a:prstGeom>
+          <a:noFill/>
+          <a:ln>
+            <a:noFill/>
+          </a:ln>
+        </p:spPr>
+        <p:style>
+          <a:lnRef idx="2">
+            <a:schemeClr val="accent2"/>
+          </a:lnRef>
+          <a:fillRef idx="1">
+            <a:schemeClr val="lt1"/>
+          </a:fillRef>
+          <a:effectRef idx="0">
+            <a:schemeClr val="accent2"/>
+          </a:effectRef>
+          <a:fontRef idx="minor">
+            <a:schemeClr val="dk1"/>
+          </a:fontRef>
+        </p:style>
+        <p:txBody>
+          <a:bodyPr wrap="square" lIns="0" tIns="0" rIns="0" bIns="0" rtlCol="0" anchor="t">
+            <a:spAutoFit/>
+          </a:bodyPr>
+          <a:lstStyle/>
+          <a:p>
+            <a:pPr algn="ctr">
+              <a:lnSpc>
+                <a:spcPts val="8959"/>
+              </a:lnSpc>
+            </a:pPr>
+            <a:r>
+              <a:rPr lang="en-US" sz="3600" b="1" i="1" dirty="0">
+                <a:solidFill>
+                  <a:schemeClr val="tx1"/>
+                </a:solidFill>
+                <a:latin typeface="Roboto" panose="02000000000000000000" pitchFamily="2" charset="0"/>
+                <a:ea typeface="Roboto" panose="02000000000000000000" pitchFamily="2" charset="0"/>
+              </a:rPr>
+              <a:t>Font: Roboto, size : 36, color : Black</a:t>
+            </a:r>
+          </a:p>
+        </p:txBody>
+      </p:sp>
+      <p:sp>
+        <p:nvSpPr>
+          <p:cNvPr id="40" name="TextBox 9">
+            <a:extLst>
+              <a:ext uri="{FF2B5EF4-FFF2-40B4-BE49-F238E27FC236}">
+                <a16:creationId xmlns:a16="http://schemas.microsoft.com/office/drawing/2014/main" id="{B7FDE8C9-1F28-205D-1264-3D05A20B1406}"/>
+              </a:ext>
+            </a:extLst>
+          </p:cNvPr>
+          <p:cNvSpPr txBox="1"/>
+          <p:nvPr/>
+        </p:nvSpPr>
+        <p:spPr>
+          <a:xfrm>
+            <a:off x="965200" y="36959388"/>
+            <a:ext cx="9824800" cy="993862"/>
+          </a:xfrm>
+          <a:prstGeom prst="rect">
+            <a:avLst/>
+          </a:prstGeom>
+          <a:noFill/>
+          <a:ln>
+            <a:noFill/>
+          </a:ln>
+        </p:spPr>
+        <p:style>
+          <a:lnRef idx="2">
+            <a:schemeClr val="accent2"/>
+          </a:lnRef>
+          <a:fillRef idx="1">
+            <a:schemeClr val="lt1"/>
+          </a:fillRef>
+          <a:effectRef idx="0">
+            <a:schemeClr val="accent2"/>
+          </a:effectRef>
+          <a:fontRef idx="minor">
+            <a:schemeClr val="dk1"/>
+          </a:fontRef>
+        </p:style>
+        <p:txBody>
+          <a:bodyPr wrap="square" lIns="0" tIns="0" rIns="0" bIns="0" rtlCol="0" anchor="t">
+            <a:spAutoFit/>
+          </a:bodyPr>
+          <a:lstStyle/>
+          <a:p>
+            <a:pPr algn="ctr">
+              <a:lnSpc>
+                <a:spcPts val="8959"/>
+              </a:lnSpc>
+            </a:pPr>
+            <a:r>
+              <a:rPr lang="en-US" sz="3600" b="1" i="1" dirty="0">
+                <a:solidFill>
+                  <a:schemeClr val="tx1"/>
+                </a:solidFill>
+                <a:latin typeface="Roboto" panose="02000000000000000000" pitchFamily="2" charset="0"/>
+                <a:ea typeface="Roboto" panose="02000000000000000000" pitchFamily="2" charset="0"/>
+              </a:rPr>
+              <a:t>Font: Roboto, size : 36, color : Black</a:t>
             </a:r>
           </a:p>
         </p:txBody>
